--- a/MLC_CapstoneProject__FinalSubmission_Krishnabansuri_K/Task3_Modelbuilding.pptx
+++ b/MLC_CapstoneProject__FinalSubmission_Krishnabansuri_K/Task3_Modelbuilding.pptx
@@ -6,6 +6,17 @@
   </p:sldMasterIdLst>
   <p:sldIdLst>
     <p:sldId id="257" r:id="rId2"/>
+    <p:sldId id="262" r:id="rId3"/>
+    <p:sldId id="259" r:id="rId4"/>
+    <p:sldId id="270" r:id="rId5"/>
+    <p:sldId id="269" r:id="rId6"/>
+    <p:sldId id="268" r:id="rId7"/>
+    <p:sldId id="267" r:id="rId8"/>
+    <p:sldId id="266" r:id="rId9"/>
+    <p:sldId id="265" r:id="rId10"/>
+    <p:sldId id="264" r:id="rId11"/>
+    <p:sldId id="263" r:id="rId12"/>
+    <p:sldId id="261" r:id="rId13"/>
   </p:sldIdLst>
   <p:sldSz cx="12192000" cy="6858000"/>
   <p:notesSz cx="6858000" cy="9144000"/>
@@ -268,7 +279,7 @@
           <a:p>
             <a:fld id="{02AC24A9-CCB6-4F8D-B8DB-C2F3692CFA5A}" type="datetimeFigureOut">
               <a:rPr lang="en-US" smtClean="0"/>
-              <a:t>1/31/2023</a:t>
+              <a:t>2/1/2023</a:t>
             </a:fld>
             <a:endParaRPr lang="en-US" dirty="0"/>
           </a:p>
@@ -638,7 +649,7 @@
           <a:p>
             <a:fld id="{02AC24A9-CCB6-4F8D-B8DB-C2F3692CFA5A}" type="datetimeFigureOut">
               <a:rPr lang="en-US" smtClean="0"/>
-              <a:t>1/31/2023</a:t>
+              <a:t>2/1/2023</a:t>
             </a:fld>
             <a:endParaRPr lang="en-US"/>
           </a:p>
@@ -847,7 +858,7 @@
           <a:p>
             <a:fld id="{02AC24A9-CCB6-4F8D-B8DB-C2F3692CFA5A}" type="datetimeFigureOut">
               <a:rPr lang="en-US" smtClean="0"/>
-              <a:t>1/31/2023</a:t>
+              <a:t>2/1/2023</a:t>
             </a:fld>
             <a:endParaRPr lang="en-US"/>
           </a:p>
@@ -1317,7 +1328,7 @@
           <a:p>
             <a:fld id="{02AC24A9-CCB6-4F8D-B8DB-C2F3692CFA5A}" type="datetimeFigureOut">
               <a:rPr lang="en-US" smtClean="0"/>
-              <a:t>1/31/2023</a:t>
+              <a:t>2/1/2023</a:t>
             </a:fld>
             <a:endParaRPr lang="en-US"/>
           </a:p>
@@ -1771,7 +1782,7 @@
           <a:p>
             <a:fld id="{02AC24A9-CCB6-4F8D-B8DB-C2F3692CFA5A}" type="datetimeFigureOut">
               <a:rPr lang="en-US" smtClean="0"/>
-              <a:t>1/31/2023</a:t>
+              <a:t>2/1/2023</a:t>
             </a:fld>
             <a:endParaRPr lang="en-US"/>
           </a:p>
@@ -2303,7 +2314,7 @@
           <a:p>
             <a:fld id="{02AC24A9-CCB6-4F8D-B8DB-C2F3692CFA5A}" type="datetimeFigureOut">
               <a:rPr lang="en-US" smtClean="0"/>
-              <a:t>1/31/2023</a:t>
+              <a:t>2/1/2023</a:t>
             </a:fld>
             <a:endParaRPr lang="en-US"/>
           </a:p>
@@ -3002,7 +3013,7 @@
           <a:p>
             <a:fld id="{02AC24A9-CCB6-4F8D-B8DB-C2F3692CFA5A}" type="datetimeFigureOut">
               <a:rPr lang="en-US" smtClean="0"/>
-              <a:t>1/31/2023</a:t>
+              <a:t>2/1/2023</a:t>
             </a:fld>
             <a:endParaRPr lang="en-US"/>
           </a:p>
@@ -3331,7 +3342,7 @@
           <a:p>
             <a:fld id="{02AC24A9-CCB6-4F8D-B8DB-C2F3692CFA5A}" type="datetimeFigureOut">
               <a:rPr lang="en-US" smtClean="0"/>
-              <a:t>1/31/2023</a:t>
+              <a:t>2/1/2023</a:t>
             </a:fld>
             <a:endParaRPr lang="en-US"/>
           </a:p>
@@ -3444,7 +3455,7 @@
           <a:p>
             <a:fld id="{02AC24A9-CCB6-4F8D-B8DB-C2F3692CFA5A}" type="datetimeFigureOut">
               <a:rPr lang="en-US" smtClean="0"/>
-              <a:t>1/31/2023</a:t>
+              <a:t>2/1/2023</a:t>
             </a:fld>
             <a:endParaRPr lang="en-US"/>
           </a:p>
@@ -3939,7 +3950,7 @@
           <a:p>
             <a:fld id="{02AC24A9-CCB6-4F8D-B8DB-C2F3692CFA5A}" type="datetimeFigureOut">
               <a:rPr lang="en-US" smtClean="0"/>
-              <a:t>1/31/2023</a:t>
+              <a:t>2/1/2023</a:t>
             </a:fld>
             <a:endParaRPr lang="en-US" dirty="0"/>
           </a:p>
@@ -4416,7 +4427,7 @@
           <a:p>
             <a:fld id="{02AC24A9-CCB6-4F8D-B8DB-C2F3692CFA5A}" type="datetimeFigureOut">
               <a:rPr lang="en-US" smtClean="0"/>
-              <a:t>1/31/2023</a:t>
+              <a:t>2/1/2023</a:t>
             </a:fld>
             <a:endParaRPr lang="en-US"/>
           </a:p>
@@ -4659,7 +4670,7 @@
           <a:p>
             <a:fld id="{02AC24A9-CCB6-4F8D-B8DB-C2F3692CFA5A}" type="datetimeFigureOut">
               <a:rPr lang="en-US" smtClean="0"/>
-              <a:t>1/31/2023</a:t>
+              <a:t>2/1/2023</a:t>
             </a:fld>
             <a:endParaRPr lang="en-US"/>
           </a:p>
@@ -5546,6 +5557,1488 @@
 </p:sld>
 </file>
 
+<file path=ppt/slides/slide10.xml><?xml version="1.0" encoding="utf-8"?>
+<p:sld xmlns:a="http://schemas.openxmlformats.org/drawingml/2006/main" xmlns:r="http://schemas.openxmlformats.org/officeDocument/2006/relationships" xmlns:p="http://schemas.openxmlformats.org/presentationml/2006/main">
+  <p:cSld>
+    <p:spTree>
+      <p:nvGrpSpPr>
+        <p:cNvPr id="1" name=""/>
+        <p:cNvGrpSpPr/>
+        <p:nvPr/>
+      </p:nvGrpSpPr>
+      <p:grpSpPr>
+        <a:xfrm>
+          <a:off x="0" y="0"/>
+          <a:ext cx="0" cy="0"/>
+          <a:chOff x="0" y="0"/>
+          <a:chExt cx="0" cy="0"/>
+        </a:xfrm>
+      </p:grpSpPr>
+      <p:sp>
+        <p:nvSpPr>
+          <p:cNvPr id="2" name="Title 1">
+            <a:extLst>
+              <a:ext uri="{FF2B5EF4-FFF2-40B4-BE49-F238E27FC236}">
+                <a16:creationId xmlns:a16="http://schemas.microsoft.com/office/drawing/2014/main" id="{BA1CDD74-C7AC-5C01-D5DF-67566121C021}"/>
+              </a:ext>
+            </a:extLst>
+          </p:cNvPr>
+          <p:cNvSpPr>
+            <a:spLocks noGrp="1"/>
+          </p:cNvSpPr>
+          <p:nvPr>
+            <p:ph type="title"/>
+          </p:nvPr>
+        </p:nvSpPr>
+        <p:spPr>
+          <a:xfrm>
+            <a:off x="1011936" y="0"/>
+            <a:ext cx="10271760" cy="1179576"/>
+          </a:xfrm>
+        </p:spPr>
+        <p:txBody>
+          <a:bodyPr>
+            <a:normAutofit/>
+          </a:bodyPr>
+          <a:lstStyle/>
+          <a:p>
+            <a:pPr algn="ctr"/>
+            <a:r>
+              <a:rPr lang="en-IN" b="0" i="0" dirty="0">
+                <a:solidFill>
+                  <a:srgbClr val="091E42"/>
+                </a:solidFill>
+                <a:effectLst/>
+                <a:latin typeface="freight-text-pro"/>
+              </a:rPr>
+              <a:t>Model Building</a:t>
+            </a:r>
+            <a:endParaRPr lang="en-IN" dirty="0"/>
+          </a:p>
+        </p:txBody>
+      </p:sp>
+      <p:sp>
+        <p:nvSpPr>
+          <p:cNvPr id="3" name="Content Placeholder 2">
+            <a:extLst>
+              <a:ext uri="{FF2B5EF4-FFF2-40B4-BE49-F238E27FC236}">
+                <a16:creationId xmlns:a16="http://schemas.microsoft.com/office/drawing/2014/main" id="{4C48F8EB-DCAB-7D13-B8FF-9689FDF33988}"/>
+              </a:ext>
+            </a:extLst>
+          </p:cNvPr>
+          <p:cNvSpPr>
+            <a:spLocks noGrp="1"/>
+          </p:cNvSpPr>
+          <p:nvPr>
+            <p:ph idx="1"/>
+          </p:nvPr>
+        </p:nvSpPr>
+        <p:spPr>
+          <a:xfrm>
+            <a:off x="1115568" y="1432560"/>
+            <a:ext cx="10168128" cy="4739640"/>
+          </a:xfrm>
+        </p:spPr>
+        <p:txBody>
+          <a:bodyPr/>
+          <a:lstStyle/>
+          <a:p>
+            <a:r>
+              <a:rPr lang="en-IN" b="0" i="0" dirty="0">
+                <a:solidFill>
+                  <a:srgbClr val="091E42"/>
+                </a:solidFill>
+                <a:effectLst/>
+                <a:latin typeface="freight-text-pro"/>
+              </a:rPr>
+              <a:t>Documentation of all the machine learning models that were built along with the respective parameters that were used (e.g., DBSCAN, </a:t>
+            </a:r>
+            <a:r>
+              <a:rPr lang="en-IN" b="0" i="0" dirty="0" err="1">
+                <a:solidFill>
+                  <a:srgbClr val="091E42"/>
+                </a:solidFill>
+                <a:effectLst/>
+                <a:latin typeface="freight-text-pro"/>
+              </a:rPr>
+              <a:t>XGBoost</a:t>
+            </a:r>
+            <a:r>
+              <a:rPr lang="en-IN" b="0" i="0" dirty="0">
+                <a:solidFill>
+                  <a:srgbClr val="091E42"/>
+                </a:solidFill>
+                <a:effectLst/>
+                <a:latin typeface="freight-text-pro"/>
+              </a:rPr>
+              <a:t>, Random Forest, </a:t>
+            </a:r>
+            <a:r>
+              <a:rPr lang="en-IN" b="0" i="0" dirty="0" err="1">
+                <a:solidFill>
+                  <a:srgbClr val="091E42"/>
+                </a:solidFill>
+                <a:effectLst/>
+                <a:latin typeface="freight-text-pro"/>
+              </a:rPr>
+              <a:t>GridSearchCV</a:t>
+            </a:r>
+            <a:r>
+              <a:rPr lang="en-IN" b="0" i="0" dirty="0">
+                <a:solidFill>
+                  <a:srgbClr val="091E42"/>
+                </a:solidFill>
+                <a:effectLst/>
+                <a:latin typeface="freight-text-pro"/>
+              </a:rPr>
+              <a:t>, etc.)</a:t>
+            </a:r>
+          </a:p>
+          <a:p>
+            <a:endParaRPr lang="en-IN" dirty="0"/>
+          </a:p>
+        </p:txBody>
+      </p:sp>
+    </p:spTree>
+    <p:extLst>
+      <p:ext uri="{BB962C8B-B14F-4D97-AF65-F5344CB8AC3E}">
+        <p14:creationId xmlns:p14="http://schemas.microsoft.com/office/powerpoint/2010/main" val="2242773187"/>
+      </p:ext>
+    </p:extLst>
+  </p:cSld>
+  <p:clrMapOvr>
+    <a:masterClrMapping/>
+  </p:clrMapOvr>
+</p:sld>
+</file>
+
+<file path=ppt/slides/slide11.xml><?xml version="1.0" encoding="utf-8"?>
+<p:sld xmlns:a="http://schemas.openxmlformats.org/drawingml/2006/main" xmlns:r="http://schemas.openxmlformats.org/officeDocument/2006/relationships" xmlns:p="http://schemas.openxmlformats.org/presentationml/2006/main">
+  <p:cSld>
+    <p:spTree>
+      <p:nvGrpSpPr>
+        <p:cNvPr id="1" name=""/>
+        <p:cNvGrpSpPr/>
+        <p:nvPr/>
+      </p:nvGrpSpPr>
+      <p:grpSpPr>
+        <a:xfrm>
+          <a:off x="0" y="0"/>
+          <a:ext cx="0" cy="0"/>
+          <a:chOff x="0" y="0"/>
+          <a:chExt cx="0" cy="0"/>
+        </a:xfrm>
+      </p:grpSpPr>
+      <p:sp>
+        <p:nvSpPr>
+          <p:cNvPr id="2" name="Title 1">
+            <a:extLst>
+              <a:ext uri="{FF2B5EF4-FFF2-40B4-BE49-F238E27FC236}">
+                <a16:creationId xmlns:a16="http://schemas.microsoft.com/office/drawing/2014/main" id="{BA1CDD74-C7AC-5C01-D5DF-67566121C021}"/>
+              </a:ext>
+            </a:extLst>
+          </p:cNvPr>
+          <p:cNvSpPr>
+            <a:spLocks noGrp="1"/>
+          </p:cNvSpPr>
+          <p:nvPr>
+            <p:ph type="title"/>
+          </p:nvPr>
+        </p:nvSpPr>
+        <p:spPr>
+          <a:xfrm>
+            <a:off x="1011936" y="0"/>
+            <a:ext cx="10271760" cy="1179576"/>
+          </a:xfrm>
+        </p:spPr>
+        <p:txBody>
+          <a:bodyPr>
+            <a:normAutofit/>
+          </a:bodyPr>
+          <a:lstStyle/>
+          <a:p>
+            <a:pPr algn="ctr"/>
+            <a:r>
+              <a:rPr lang="en-IN" b="0" i="0" dirty="0">
+                <a:solidFill>
+                  <a:srgbClr val="091E42"/>
+                </a:solidFill>
+                <a:effectLst/>
+                <a:latin typeface="freight-text-pro"/>
+              </a:rPr>
+              <a:t>Model Building</a:t>
+            </a:r>
+            <a:endParaRPr lang="en-IN" dirty="0"/>
+          </a:p>
+        </p:txBody>
+      </p:sp>
+      <p:sp>
+        <p:nvSpPr>
+          <p:cNvPr id="3" name="Content Placeholder 2">
+            <a:extLst>
+              <a:ext uri="{FF2B5EF4-FFF2-40B4-BE49-F238E27FC236}">
+                <a16:creationId xmlns:a16="http://schemas.microsoft.com/office/drawing/2014/main" id="{4C48F8EB-DCAB-7D13-B8FF-9689FDF33988}"/>
+              </a:ext>
+            </a:extLst>
+          </p:cNvPr>
+          <p:cNvSpPr>
+            <a:spLocks noGrp="1"/>
+          </p:cNvSpPr>
+          <p:nvPr>
+            <p:ph idx="1"/>
+          </p:nvPr>
+        </p:nvSpPr>
+        <p:spPr>
+          <a:xfrm>
+            <a:off x="1115568" y="1432560"/>
+            <a:ext cx="10168128" cy="4739640"/>
+          </a:xfrm>
+        </p:spPr>
+        <p:txBody>
+          <a:bodyPr/>
+          <a:lstStyle/>
+          <a:p>
+            <a:r>
+              <a:rPr lang="en-IN" b="0" i="0" dirty="0">
+                <a:solidFill>
+                  <a:srgbClr val="091E42"/>
+                </a:solidFill>
+                <a:effectLst/>
+                <a:latin typeface="freight-text-pro"/>
+              </a:rPr>
+              <a:t>The reason for using regression or classification for age prediction </a:t>
+            </a:r>
+          </a:p>
+          <a:p>
+            <a:endParaRPr lang="en-IN" dirty="0"/>
+          </a:p>
+        </p:txBody>
+      </p:sp>
+    </p:spTree>
+    <p:extLst>
+      <p:ext uri="{BB962C8B-B14F-4D97-AF65-F5344CB8AC3E}">
+        <p14:creationId xmlns:p14="http://schemas.microsoft.com/office/powerpoint/2010/main" val="452039854"/>
+      </p:ext>
+    </p:extLst>
+  </p:cSld>
+  <p:clrMapOvr>
+    <a:masterClrMapping/>
+  </p:clrMapOvr>
+</p:sld>
+</file>
+
+<file path=ppt/slides/slide12.xml><?xml version="1.0" encoding="utf-8"?>
+<p:sld xmlns:a="http://schemas.openxmlformats.org/drawingml/2006/main" xmlns:r="http://schemas.openxmlformats.org/officeDocument/2006/relationships" xmlns:p="http://schemas.openxmlformats.org/presentationml/2006/main">
+  <p:cSld>
+    <p:spTree>
+      <p:nvGrpSpPr>
+        <p:cNvPr id="1" name=""/>
+        <p:cNvGrpSpPr/>
+        <p:nvPr/>
+      </p:nvGrpSpPr>
+      <p:grpSpPr>
+        <a:xfrm>
+          <a:off x="0" y="0"/>
+          <a:ext cx="0" cy="0"/>
+          <a:chOff x="0" y="0"/>
+          <a:chExt cx="0" cy="0"/>
+        </a:xfrm>
+      </p:grpSpPr>
+      <p:sp>
+        <p:nvSpPr>
+          <p:cNvPr id="2" name="Title 1">
+            <a:extLst>
+              <a:ext uri="{FF2B5EF4-FFF2-40B4-BE49-F238E27FC236}">
+                <a16:creationId xmlns:a16="http://schemas.microsoft.com/office/drawing/2014/main" id="{BA1CDD74-C7AC-5C01-D5DF-67566121C021}"/>
+              </a:ext>
+            </a:extLst>
+          </p:cNvPr>
+          <p:cNvSpPr>
+            <a:spLocks noGrp="1"/>
+          </p:cNvSpPr>
+          <p:nvPr>
+            <p:ph type="title"/>
+          </p:nvPr>
+        </p:nvSpPr>
+        <p:spPr>
+          <a:xfrm>
+            <a:off x="1011936" y="0"/>
+            <a:ext cx="10271760" cy="1179576"/>
+          </a:xfrm>
+        </p:spPr>
+        <p:txBody>
+          <a:bodyPr>
+            <a:normAutofit/>
+          </a:bodyPr>
+          <a:lstStyle/>
+          <a:p>
+            <a:pPr algn="ctr"/>
+            <a:r>
+              <a:rPr lang="en-IN" b="0" i="0" dirty="0">
+                <a:solidFill>
+                  <a:srgbClr val="091E42"/>
+                </a:solidFill>
+                <a:effectLst/>
+                <a:latin typeface="freight-text-pro"/>
+              </a:rPr>
+              <a:t>Model Building</a:t>
+            </a:r>
+            <a:endParaRPr lang="en-IN" dirty="0"/>
+          </a:p>
+        </p:txBody>
+      </p:sp>
+      <p:sp>
+        <p:nvSpPr>
+          <p:cNvPr id="3" name="Content Placeholder 2">
+            <a:extLst>
+              <a:ext uri="{FF2B5EF4-FFF2-40B4-BE49-F238E27FC236}">
+                <a16:creationId xmlns:a16="http://schemas.microsoft.com/office/drawing/2014/main" id="{4C48F8EB-DCAB-7D13-B8FF-9689FDF33988}"/>
+              </a:ext>
+            </a:extLst>
+          </p:cNvPr>
+          <p:cNvSpPr>
+            <a:spLocks noGrp="1"/>
+          </p:cNvSpPr>
+          <p:nvPr>
+            <p:ph idx="1"/>
+          </p:nvPr>
+        </p:nvSpPr>
+        <p:spPr>
+          <a:xfrm>
+            <a:off x="1115568" y="1432560"/>
+            <a:ext cx="10168128" cy="4739640"/>
+          </a:xfrm>
+        </p:spPr>
+        <p:txBody>
+          <a:bodyPr/>
+          <a:lstStyle/>
+          <a:p>
+            <a:r>
+              <a:rPr lang="en-IN" b="0" i="0" dirty="0">
+                <a:solidFill>
+                  <a:srgbClr val="091E42"/>
+                </a:solidFill>
+                <a:effectLst/>
+                <a:latin typeface="freight-text-pro"/>
+              </a:rPr>
+              <a:t>The outcomes of the evaluation metrics (results for both Scenario 1 and Scenario 2 must be shown separately).</a:t>
+            </a:r>
+          </a:p>
+          <a:p>
+            <a:endParaRPr lang="en-IN" dirty="0"/>
+          </a:p>
+        </p:txBody>
+      </p:sp>
+    </p:spTree>
+    <p:extLst>
+      <p:ext uri="{BB962C8B-B14F-4D97-AF65-F5344CB8AC3E}">
+        <p14:creationId xmlns:p14="http://schemas.microsoft.com/office/powerpoint/2010/main" val="3283252378"/>
+      </p:ext>
+    </p:extLst>
+  </p:cSld>
+  <p:clrMapOvr>
+    <a:masterClrMapping/>
+  </p:clrMapOvr>
+</p:sld>
+</file>
+
+<file path=ppt/slides/slide2.xml><?xml version="1.0" encoding="utf-8"?>
+<p:sld xmlns:a="http://schemas.openxmlformats.org/drawingml/2006/main" xmlns:r="http://schemas.openxmlformats.org/officeDocument/2006/relationships" xmlns:p="http://schemas.openxmlformats.org/presentationml/2006/main">
+  <p:cSld>
+    <p:spTree>
+      <p:nvGrpSpPr>
+        <p:cNvPr id="1" name=""/>
+        <p:cNvGrpSpPr/>
+        <p:nvPr/>
+      </p:nvGrpSpPr>
+      <p:grpSpPr>
+        <a:xfrm>
+          <a:off x="0" y="0"/>
+          <a:ext cx="0" cy="0"/>
+          <a:chOff x="0" y="0"/>
+          <a:chExt cx="0" cy="0"/>
+        </a:xfrm>
+      </p:grpSpPr>
+      <p:sp>
+        <p:nvSpPr>
+          <p:cNvPr id="2" name="Title 1">
+            <a:extLst>
+              <a:ext uri="{FF2B5EF4-FFF2-40B4-BE49-F238E27FC236}">
+                <a16:creationId xmlns:a16="http://schemas.microsoft.com/office/drawing/2014/main" id="{BA1CDD74-C7AC-5C01-D5DF-67566121C021}"/>
+              </a:ext>
+            </a:extLst>
+          </p:cNvPr>
+          <p:cNvSpPr>
+            <a:spLocks noGrp="1"/>
+          </p:cNvSpPr>
+          <p:nvPr>
+            <p:ph type="title"/>
+          </p:nvPr>
+        </p:nvSpPr>
+        <p:spPr>
+          <a:xfrm>
+            <a:off x="1011936" y="0"/>
+            <a:ext cx="10271760" cy="1179576"/>
+          </a:xfrm>
+        </p:spPr>
+        <p:txBody>
+          <a:bodyPr>
+            <a:normAutofit/>
+          </a:bodyPr>
+          <a:lstStyle/>
+          <a:p>
+            <a:pPr algn="ctr"/>
+            <a:r>
+              <a:rPr lang="en-IN" b="0" i="0">
+                <a:solidFill>
+                  <a:srgbClr val="091E42"/>
+                </a:solidFill>
+                <a:effectLst/>
+                <a:latin typeface="freight-text-pro"/>
+              </a:rPr>
+              <a:t>Model Building</a:t>
+            </a:r>
+            <a:endParaRPr lang="en-IN" dirty="0"/>
+          </a:p>
+        </p:txBody>
+      </p:sp>
+      <p:sp>
+        <p:nvSpPr>
+          <p:cNvPr id="3" name="Content Placeholder 2">
+            <a:extLst>
+              <a:ext uri="{FF2B5EF4-FFF2-40B4-BE49-F238E27FC236}">
+                <a16:creationId xmlns:a16="http://schemas.microsoft.com/office/drawing/2014/main" id="{4C48F8EB-DCAB-7D13-B8FF-9689FDF33988}"/>
+              </a:ext>
+            </a:extLst>
+          </p:cNvPr>
+          <p:cNvSpPr>
+            <a:spLocks noGrp="1"/>
+          </p:cNvSpPr>
+          <p:nvPr>
+            <p:ph idx="1"/>
+          </p:nvPr>
+        </p:nvSpPr>
+        <p:spPr>
+          <a:xfrm>
+            <a:off x="1115568" y="1009650"/>
+            <a:ext cx="10168128" cy="700087"/>
+          </a:xfrm>
+        </p:spPr>
+        <p:txBody>
+          <a:bodyPr/>
+          <a:lstStyle/>
+          <a:p>
+            <a:r>
+              <a:rPr lang="en-IN" b="0" i="0">
+                <a:solidFill>
+                  <a:srgbClr val="091E42"/>
+                </a:solidFill>
+                <a:effectLst/>
+                <a:latin typeface="freight-text-pro"/>
+              </a:rPr>
+              <a:t>Top five rows of the data set at the beginning of the analysis</a:t>
+            </a:r>
+          </a:p>
+          <a:p>
+            <a:endParaRPr lang="en-IN" dirty="0"/>
+          </a:p>
+        </p:txBody>
+      </p:sp>
+      <p:pic>
+        <p:nvPicPr>
+          <p:cNvPr id="5" name="Picture 4">
+            <a:extLst>
+              <a:ext uri="{FF2B5EF4-FFF2-40B4-BE49-F238E27FC236}">
+                <a16:creationId xmlns:a16="http://schemas.microsoft.com/office/drawing/2014/main" id="{C69B215E-BD3E-7863-391D-50876E16F06D}"/>
+              </a:ext>
+            </a:extLst>
+          </p:cNvPr>
+          <p:cNvPicPr>
+            <a:picLocks noChangeAspect="1"/>
+          </p:cNvPicPr>
+          <p:nvPr/>
+        </p:nvPicPr>
+        <p:blipFill>
+          <a:blip r:embed="rId2"/>
+          <a:stretch>
+            <a:fillRect/>
+          </a:stretch>
+        </p:blipFill>
+        <p:spPr>
+          <a:xfrm>
+            <a:off x="121920" y="1709737"/>
+            <a:ext cx="6461760" cy="1719263"/>
+          </a:xfrm>
+          <a:prstGeom prst="rect">
+            <a:avLst/>
+          </a:prstGeom>
+        </p:spPr>
+      </p:pic>
+      <p:pic>
+        <p:nvPicPr>
+          <p:cNvPr id="7" name="Picture 6">
+            <a:extLst>
+              <a:ext uri="{FF2B5EF4-FFF2-40B4-BE49-F238E27FC236}">
+                <a16:creationId xmlns:a16="http://schemas.microsoft.com/office/drawing/2014/main" id="{65C4389D-4901-8211-6AE9-9073F6B48643}"/>
+              </a:ext>
+            </a:extLst>
+          </p:cNvPr>
+          <p:cNvPicPr>
+            <a:picLocks noChangeAspect="1"/>
+          </p:cNvPicPr>
+          <p:nvPr/>
+        </p:nvPicPr>
+        <p:blipFill>
+          <a:blip r:embed="rId3"/>
+          <a:stretch>
+            <a:fillRect/>
+          </a:stretch>
+        </p:blipFill>
+        <p:spPr>
+          <a:xfrm>
+            <a:off x="121920" y="4986878"/>
+            <a:ext cx="7137908" cy="1722943"/>
+          </a:xfrm>
+          <a:prstGeom prst="rect">
+            <a:avLst/>
+          </a:prstGeom>
+        </p:spPr>
+      </p:pic>
+      <p:pic>
+        <p:nvPicPr>
+          <p:cNvPr id="9" name="Picture 8">
+            <a:extLst>
+              <a:ext uri="{FF2B5EF4-FFF2-40B4-BE49-F238E27FC236}">
+                <a16:creationId xmlns:a16="http://schemas.microsoft.com/office/drawing/2014/main" id="{922131B7-B6CE-E9D3-29EB-17A0CB4E9736}"/>
+              </a:ext>
+            </a:extLst>
+          </p:cNvPr>
+          <p:cNvPicPr>
+            <a:picLocks noChangeAspect="1"/>
+          </p:cNvPicPr>
+          <p:nvPr/>
+        </p:nvPicPr>
+        <p:blipFill>
+          <a:blip r:embed="rId4"/>
+          <a:stretch>
+            <a:fillRect/>
+          </a:stretch>
+        </p:blipFill>
+        <p:spPr>
+          <a:xfrm>
+            <a:off x="6947408" y="2866940"/>
+            <a:ext cx="5239332" cy="1719263"/>
+          </a:xfrm>
+          <a:prstGeom prst="rect">
+            <a:avLst/>
+          </a:prstGeom>
+        </p:spPr>
+      </p:pic>
+    </p:spTree>
+    <p:extLst>
+      <p:ext uri="{BB962C8B-B14F-4D97-AF65-F5344CB8AC3E}">
+        <p14:creationId xmlns:p14="http://schemas.microsoft.com/office/powerpoint/2010/main" val="3945162436"/>
+      </p:ext>
+    </p:extLst>
+  </p:cSld>
+  <p:clrMapOvr>
+    <a:masterClrMapping/>
+  </p:clrMapOvr>
+</p:sld>
+</file>
+
+<file path=ppt/slides/slide3.xml><?xml version="1.0" encoding="utf-8"?>
+<p:sld xmlns:a="http://schemas.openxmlformats.org/drawingml/2006/main" xmlns:r="http://schemas.openxmlformats.org/officeDocument/2006/relationships" xmlns:p="http://schemas.openxmlformats.org/presentationml/2006/main">
+  <p:cSld>
+    <p:spTree>
+      <p:nvGrpSpPr>
+        <p:cNvPr id="1" name=""/>
+        <p:cNvGrpSpPr/>
+        <p:nvPr/>
+      </p:nvGrpSpPr>
+      <p:grpSpPr>
+        <a:xfrm>
+          <a:off x="0" y="0"/>
+          <a:ext cx="0" cy="0"/>
+          <a:chOff x="0" y="0"/>
+          <a:chExt cx="0" cy="0"/>
+        </a:xfrm>
+      </p:grpSpPr>
+      <p:sp>
+        <p:nvSpPr>
+          <p:cNvPr id="2" name="Title 1">
+            <a:extLst>
+              <a:ext uri="{FF2B5EF4-FFF2-40B4-BE49-F238E27FC236}">
+                <a16:creationId xmlns:a16="http://schemas.microsoft.com/office/drawing/2014/main" id="{BA1CDD74-C7AC-5C01-D5DF-67566121C021}"/>
+              </a:ext>
+            </a:extLst>
+          </p:cNvPr>
+          <p:cNvSpPr>
+            <a:spLocks noGrp="1"/>
+          </p:cNvSpPr>
+          <p:nvPr>
+            <p:ph type="title"/>
+          </p:nvPr>
+        </p:nvSpPr>
+        <p:spPr>
+          <a:xfrm>
+            <a:off x="1011936" y="0"/>
+            <a:ext cx="10271760" cy="1179576"/>
+          </a:xfrm>
+        </p:spPr>
+        <p:txBody>
+          <a:bodyPr>
+            <a:normAutofit/>
+          </a:bodyPr>
+          <a:lstStyle/>
+          <a:p>
+            <a:pPr algn="ctr"/>
+            <a:r>
+              <a:rPr lang="en-IN" b="0" i="0" dirty="0">
+                <a:solidFill>
+                  <a:srgbClr val="091E42"/>
+                </a:solidFill>
+                <a:effectLst/>
+                <a:latin typeface="freight-text-pro"/>
+              </a:rPr>
+              <a:t>Model Building</a:t>
+            </a:r>
+            <a:endParaRPr lang="en-IN" dirty="0"/>
+          </a:p>
+        </p:txBody>
+      </p:sp>
+      <p:sp>
+        <p:nvSpPr>
+          <p:cNvPr id="3" name="Content Placeholder 2">
+            <a:extLst>
+              <a:ext uri="{FF2B5EF4-FFF2-40B4-BE49-F238E27FC236}">
+                <a16:creationId xmlns:a16="http://schemas.microsoft.com/office/drawing/2014/main" id="{4C48F8EB-DCAB-7D13-B8FF-9689FDF33988}"/>
+              </a:ext>
+            </a:extLst>
+          </p:cNvPr>
+          <p:cNvSpPr>
+            <a:spLocks noGrp="1"/>
+          </p:cNvSpPr>
+          <p:nvPr>
+            <p:ph idx="1"/>
+          </p:nvPr>
+        </p:nvSpPr>
+        <p:spPr>
+          <a:xfrm>
+            <a:off x="1115568" y="1000125"/>
+            <a:ext cx="10168128" cy="5172075"/>
+          </a:xfrm>
+        </p:spPr>
+        <p:txBody>
+          <a:bodyPr/>
+          <a:lstStyle/>
+          <a:p>
+            <a:r>
+              <a:rPr lang="en-IN" b="0" i="0" dirty="0">
+                <a:solidFill>
+                  <a:srgbClr val="091E42"/>
+                </a:solidFill>
+                <a:effectLst/>
+                <a:latin typeface="freight-text-pro"/>
+              </a:rPr>
+              <a:t>List of data cleaning techniques applied such as missing value treatment, etc.</a:t>
+            </a:r>
+          </a:p>
+          <a:p>
+            <a:pPr lvl="1"/>
+            <a:r>
+              <a:rPr lang="en-IN" b="0" i="0" dirty="0">
+                <a:solidFill>
+                  <a:srgbClr val="091E42"/>
+                </a:solidFill>
+                <a:effectLst/>
+                <a:latin typeface="freight-text-pro"/>
+              </a:rPr>
+              <a:t>Across all the 3 data</a:t>
+            </a:r>
+            <a:r>
+              <a:rPr lang="en-IN" dirty="0">
+                <a:solidFill>
+                  <a:srgbClr val="091E42"/>
+                </a:solidFill>
+                <a:latin typeface="freight-text-pro"/>
+              </a:rPr>
+              <a:t> sets, app data, events and non-events data, determined the % of missing values and retained columns where missing values is &lt;40%</a:t>
+            </a:r>
+          </a:p>
+          <a:p>
+            <a:pPr lvl="1"/>
+            <a:r>
+              <a:rPr lang="en-IN" dirty="0">
+                <a:solidFill>
+                  <a:srgbClr val="091E42"/>
+                </a:solidFill>
+                <a:latin typeface="freight-text-pro"/>
+              </a:rPr>
+              <a:t>Events data that have latitude and longitude between -1 and 1 and equals 0 are eliminated as they have no importance</a:t>
+            </a:r>
+          </a:p>
+          <a:p>
+            <a:pPr lvl="1"/>
+            <a:r>
+              <a:rPr lang="en-IN" b="0" i="0" dirty="0">
+                <a:solidFill>
+                  <a:srgbClr val="091E42"/>
+                </a:solidFill>
+                <a:effectLst/>
+                <a:latin typeface="freight-text-pro"/>
+              </a:rPr>
+              <a:t>Converted gender data (M, F) to 1 and 2 respectively</a:t>
+            </a:r>
+          </a:p>
+          <a:p>
+            <a:pPr lvl="1"/>
+            <a:r>
+              <a:rPr lang="en-IN" dirty="0">
+                <a:solidFill>
+                  <a:srgbClr val="091E42"/>
+                </a:solidFill>
+                <a:latin typeface="freight-text-pro"/>
+              </a:rPr>
+              <a:t>Replaced any special characters in Gender and Age which are the </a:t>
+            </a:r>
+            <a:r>
+              <a:rPr lang="en-IN">
+                <a:solidFill>
+                  <a:srgbClr val="091E42"/>
+                </a:solidFill>
+                <a:latin typeface="freight-text-pro"/>
+              </a:rPr>
+              <a:t>target variables</a:t>
+            </a:r>
+          </a:p>
+          <a:p>
+            <a:pPr lvl="1"/>
+            <a:r>
+              <a:rPr lang="en-IN" b="0" i="0">
+                <a:solidFill>
+                  <a:srgbClr val="091E42"/>
+                </a:solidFill>
+                <a:effectLst/>
+                <a:latin typeface="freight-text-pro"/>
+              </a:rPr>
+              <a:t> </a:t>
+            </a:r>
+            <a:endParaRPr lang="en-IN" b="0" i="0" dirty="0">
+              <a:solidFill>
+                <a:srgbClr val="091E42"/>
+              </a:solidFill>
+              <a:effectLst/>
+              <a:latin typeface="freight-text-pro"/>
+            </a:endParaRPr>
+          </a:p>
+          <a:p>
+            <a:endParaRPr lang="en-IN" dirty="0"/>
+          </a:p>
+        </p:txBody>
+      </p:sp>
+    </p:spTree>
+    <p:extLst>
+      <p:ext uri="{BB962C8B-B14F-4D97-AF65-F5344CB8AC3E}">
+        <p14:creationId xmlns:p14="http://schemas.microsoft.com/office/powerpoint/2010/main" val="197367706"/>
+      </p:ext>
+    </p:extLst>
+  </p:cSld>
+  <p:clrMapOvr>
+    <a:masterClrMapping/>
+  </p:clrMapOvr>
+</p:sld>
+</file>
+
+<file path=ppt/slides/slide4.xml><?xml version="1.0" encoding="utf-8"?>
+<p:sld xmlns:a="http://schemas.openxmlformats.org/drawingml/2006/main" xmlns:r="http://schemas.openxmlformats.org/officeDocument/2006/relationships" xmlns:p="http://schemas.openxmlformats.org/presentationml/2006/main">
+  <p:cSld>
+    <p:spTree>
+      <p:nvGrpSpPr>
+        <p:cNvPr id="1" name=""/>
+        <p:cNvGrpSpPr/>
+        <p:nvPr/>
+      </p:nvGrpSpPr>
+      <p:grpSpPr>
+        <a:xfrm>
+          <a:off x="0" y="0"/>
+          <a:ext cx="0" cy="0"/>
+          <a:chOff x="0" y="0"/>
+          <a:chExt cx="0" cy="0"/>
+        </a:xfrm>
+      </p:grpSpPr>
+      <p:sp>
+        <p:nvSpPr>
+          <p:cNvPr id="2" name="Title 1">
+            <a:extLst>
+              <a:ext uri="{FF2B5EF4-FFF2-40B4-BE49-F238E27FC236}">
+                <a16:creationId xmlns:a16="http://schemas.microsoft.com/office/drawing/2014/main" id="{BA1CDD74-C7AC-5C01-D5DF-67566121C021}"/>
+              </a:ext>
+            </a:extLst>
+          </p:cNvPr>
+          <p:cNvSpPr>
+            <a:spLocks noGrp="1"/>
+          </p:cNvSpPr>
+          <p:nvPr>
+            <p:ph type="title"/>
+          </p:nvPr>
+        </p:nvSpPr>
+        <p:spPr>
+          <a:xfrm>
+            <a:off x="1011936" y="0"/>
+            <a:ext cx="10271760" cy="1179576"/>
+          </a:xfrm>
+        </p:spPr>
+        <p:txBody>
+          <a:bodyPr>
+            <a:normAutofit/>
+          </a:bodyPr>
+          <a:lstStyle/>
+          <a:p>
+            <a:pPr algn="ctr"/>
+            <a:r>
+              <a:rPr lang="en-IN" b="0" i="0" dirty="0">
+                <a:solidFill>
+                  <a:srgbClr val="091E42"/>
+                </a:solidFill>
+                <a:effectLst/>
+                <a:latin typeface="freight-text-pro"/>
+              </a:rPr>
+              <a:t>Model Building</a:t>
+            </a:r>
+            <a:endParaRPr lang="en-IN" dirty="0"/>
+          </a:p>
+        </p:txBody>
+      </p:sp>
+      <p:sp>
+        <p:nvSpPr>
+          <p:cNvPr id="3" name="Content Placeholder 2">
+            <a:extLst>
+              <a:ext uri="{FF2B5EF4-FFF2-40B4-BE49-F238E27FC236}">
+                <a16:creationId xmlns:a16="http://schemas.microsoft.com/office/drawing/2014/main" id="{4C48F8EB-DCAB-7D13-B8FF-9689FDF33988}"/>
+              </a:ext>
+            </a:extLst>
+          </p:cNvPr>
+          <p:cNvSpPr>
+            <a:spLocks noGrp="1"/>
+          </p:cNvSpPr>
+          <p:nvPr>
+            <p:ph idx="1"/>
+          </p:nvPr>
+        </p:nvSpPr>
+        <p:spPr>
+          <a:xfrm>
+            <a:off x="1115568" y="1000125"/>
+            <a:ext cx="10168128" cy="5172075"/>
+          </a:xfrm>
+        </p:spPr>
+        <p:txBody>
+          <a:bodyPr/>
+          <a:lstStyle/>
+          <a:p>
+            <a:r>
+              <a:rPr lang="en-IN" b="0" i="0" dirty="0">
+                <a:solidFill>
+                  <a:srgbClr val="091E42"/>
+                </a:solidFill>
+                <a:effectLst/>
+                <a:latin typeface="freight-text-pro"/>
+              </a:rPr>
+              <a:t>Feature engineering techniques that were used along with proper reasoning to support why the technique was used</a:t>
+            </a:r>
+          </a:p>
+          <a:p>
+            <a:endParaRPr lang="en-IN" dirty="0"/>
+          </a:p>
+        </p:txBody>
+      </p:sp>
+    </p:spTree>
+    <p:extLst>
+      <p:ext uri="{BB962C8B-B14F-4D97-AF65-F5344CB8AC3E}">
+        <p14:creationId xmlns:p14="http://schemas.microsoft.com/office/powerpoint/2010/main" val="1734768155"/>
+      </p:ext>
+    </p:extLst>
+  </p:cSld>
+  <p:clrMapOvr>
+    <a:masterClrMapping/>
+  </p:clrMapOvr>
+</p:sld>
+</file>
+
+<file path=ppt/slides/slide5.xml><?xml version="1.0" encoding="utf-8"?>
+<p:sld xmlns:a="http://schemas.openxmlformats.org/drawingml/2006/main" xmlns:r="http://schemas.openxmlformats.org/officeDocument/2006/relationships" xmlns:p="http://schemas.openxmlformats.org/presentationml/2006/main">
+  <p:cSld>
+    <p:spTree>
+      <p:nvGrpSpPr>
+        <p:cNvPr id="1" name=""/>
+        <p:cNvGrpSpPr/>
+        <p:nvPr/>
+      </p:nvGrpSpPr>
+      <p:grpSpPr>
+        <a:xfrm>
+          <a:off x="0" y="0"/>
+          <a:ext cx="0" cy="0"/>
+          <a:chOff x="0" y="0"/>
+          <a:chExt cx="0" cy="0"/>
+        </a:xfrm>
+      </p:grpSpPr>
+      <p:sp>
+        <p:nvSpPr>
+          <p:cNvPr id="2" name="Title 1">
+            <a:extLst>
+              <a:ext uri="{FF2B5EF4-FFF2-40B4-BE49-F238E27FC236}">
+                <a16:creationId xmlns:a16="http://schemas.microsoft.com/office/drawing/2014/main" id="{BA1CDD74-C7AC-5C01-D5DF-67566121C021}"/>
+              </a:ext>
+            </a:extLst>
+          </p:cNvPr>
+          <p:cNvSpPr>
+            <a:spLocks noGrp="1"/>
+          </p:cNvSpPr>
+          <p:nvPr>
+            <p:ph type="title"/>
+          </p:nvPr>
+        </p:nvSpPr>
+        <p:spPr>
+          <a:xfrm>
+            <a:off x="1011936" y="0"/>
+            <a:ext cx="10271760" cy="1179576"/>
+          </a:xfrm>
+        </p:spPr>
+        <p:txBody>
+          <a:bodyPr>
+            <a:normAutofit/>
+          </a:bodyPr>
+          <a:lstStyle/>
+          <a:p>
+            <a:pPr algn="ctr"/>
+            <a:r>
+              <a:rPr lang="en-IN" b="0" dirty="0">
+                <a:solidFill>
+                  <a:srgbClr val="091E42"/>
+                </a:solidFill>
+                <a:latin typeface="freight-text-pro"/>
+              </a:rPr>
+              <a:t>Model Building</a:t>
+            </a:r>
+            <a:endParaRPr lang="en-IN" dirty="0"/>
+          </a:p>
+        </p:txBody>
+      </p:sp>
+      <p:sp>
+        <p:nvSpPr>
+          <p:cNvPr id="3" name="Content Placeholder 2">
+            <a:extLst>
+              <a:ext uri="{FF2B5EF4-FFF2-40B4-BE49-F238E27FC236}">
+                <a16:creationId xmlns:a16="http://schemas.microsoft.com/office/drawing/2014/main" id="{4C48F8EB-DCAB-7D13-B8FF-9689FDF33988}"/>
+              </a:ext>
+            </a:extLst>
+          </p:cNvPr>
+          <p:cNvSpPr>
+            <a:spLocks noGrp="1"/>
+          </p:cNvSpPr>
+          <p:nvPr>
+            <p:ph idx="1"/>
+          </p:nvPr>
+        </p:nvSpPr>
+        <p:spPr>
+          <a:xfrm>
+            <a:off x="1115568" y="971551"/>
+            <a:ext cx="10168128" cy="5200650"/>
+          </a:xfrm>
+        </p:spPr>
+        <p:txBody>
+          <a:bodyPr/>
+          <a:lstStyle/>
+          <a:p>
+            <a:r>
+              <a:rPr lang="en-IN" b="0" i="0" dirty="0">
+                <a:solidFill>
+                  <a:srgbClr val="091E42"/>
+                </a:solidFill>
+                <a:effectLst/>
+                <a:latin typeface="freight-text-pro"/>
+              </a:rPr>
+              <a:t>Outputs to the various EDA and Visualisation codes along with the corresponding results and the insights gathered from each EDA and visualisation</a:t>
+            </a:r>
+          </a:p>
+          <a:p>
+            <a:endParaRPr lang="en-IN" dirty="0"/>
+          </a:p>
+        </p:txBody>
+      </p:sp>
+    </p:spTree>
+    <p:extLst>
+      <p:ext uri="{BB962C8B-B14F-4D97-AF65-F5344CB8AC3E}">
+        <p14:creationId xmlns:p14="http://schemas.microsoft.com/office/powerpoint/2010/main" val="918921635"/>
+      </p:ext>
+    </p:extLst>
+  </p:cSld>
+  <p:clrMapOvr>
+    <a:masterClrMapping/>
+  </p:clrMapOvr>
+</p:sld>
+</file>
+
+<file path=ppt/slides/slide6.xml><?xml version="1.0" encoding="utf-8"?>
+<p:sld xmlns:a="http://schemas.openxmlformats.org/drawingml/2006/main" xmlns:r="http://schemas.openxmlformats.org/officeDocument/2006/relationships" xmlns:p="http://schemas.openxmlformats.org/presentationml/2006/main">
+  <p:cSld>
+    <p:spTree>
+      <p:nvGrpSpPr>
+        <p:cNvPr id="1" name=""/>
+        <p:cNvGrpSpPr/>
+        <p:nvPr/>
+      </p:nvGrpSpPr>
+      <p:grpSpPr>
+        <a:xfrm>
+          <a:off x="0" y="0"/>
+          <a:ext cx="0" cy="0"/>
+          <a:chOff x="0" y="0"/>
+          <a:chExt cx="0" cy="0"/>
+        </a:xfrm>
+      </p:grpSpPr>
+      <p:sp>
+        <p:nvSpPr>
+          <p:cNvPr id="2" name="Title 1">
+            <a:extLst>
+              <a:ext uri="{FF2B5EF4-FFF2-40B4-BE49-F238E27FC236}">
+                <a16:creationId xmlns:a16="http://schemas.microsoft.com/office/drawing/2014/main" id="{BA1CDD74-C7AC-5C01-D5DF-67566121C021}"/>
+              </a:ext>
+            </a:extLst>
+          </p:cNvPr>
+          <p:cNvSpPr>
+            <a:spLocks noGrp="1"/>
+          </p:cNvSpPr>
+          <p:nvPr>
+            <p:ph type="title"/>
+          </p:nvPr>
+        </p:nvSpPr>
+        <p:spPr>
+          <a:xfrm>
+            <a:off x="1011936" y="0"/>
+            <a:ext cx="10271760" cy="1179576"/>
+          </a:xfrm>
+        </p:spPr>
+        <p:txBody>
+          <a:bodyPr>
+            <a:normAutofit/>
+          </a:bodyPr>
+          <a:lstStyle/>
+          <a:p>
+            <a:pPr algn="ctr"/>
+            <a:r>
+              <a:rPr lang="en-IN" b="0" i="0" dirty="0">
+                <a:solidFill>
+                  <a:srgbClr val="091E42"/>
+                </a:solidFill>
+                <a:effectLst/>
+                <a:latin typeface="freight-text-pro"/>
+              </a:rPr>
+              <a:t>Model Building</a:t>
+            </a:r>
+            <a:endParaRPr lang="en-IN" dirty="0"/>
+          </a:p>
+        </p:txBody>
+      </p:sp>
+      <p:sp>
+        <p:nvSpPr>
+          <p:cNvPr id="3" name="Content Placeholder 2">
+            <a:extLst>
+              <a:ext uri="{FF2B5EF4-FFF2-40B4-BE49-F238E27FC236}">
+                <a16:creationId xmlns:a16="http://schemas.microsoft.com/office/drawing/2014/main" id="{4C48F8EB-DCAB-7D13-B8FF-9689FDF33988}"/>
+              </a:ext>
+            </a:extLst>
+          </p:cNvPr>
+          <p:cNvSpPr>
+            <a:spLocks noGrp="1"/>
+          </p:cNvSpPr>
+          <p:nvPr>
+            <p:ph idx="1"/>
+          </p:nvPr>
+        </p:nvSpPr>
+        <p:spPr>
+          <a:xfrm>
+            <a:off x="1115568" y="962025"/>
+            <a:ext cx="10168128" cy="5210175"/>
+          </a:xfrm>
+        </p:spPr>
+        <p:txBody>
+          <a:bodyPr/>
+          <a:lstStyle/>
+          <a:p>
+            <a:r>
+              <a:rPr lang="en-IN" b="0" i="0" dirty="0">
+                <a:solidFill>
+                  <a:srgbClr val="091E42"/>
+                </a:solidFill>
+                <a:effectLst/>
+                <a:latin typeface="freight-text-pro"/>
+              </a:rPr>
+              <a:t>Geospatial visualisations along with the insights gathered from this visualisation</a:t>
+            </a:r>
+          </a:p>
+          <a:p>
+            <a:endParaRPr lang="en-IN" dirty="0"/>
+          </a:p>
+        </p:txBody>
+      </p:sp>
+    </p:spTree>
+    <p:extLst>
+      <p:ext uri="{BB962C8B-B14F-4D97-AF65-F5344CB8AC3E}">
+        <p14:creationId xmlns:p14="http://schemas.microsoft.com/office/powerpoint/2010/main" val="3850563922"/>
+      </p:ext>
+    </p:extLst>
+  </p:cSld>
+  <p:clrMapOvr>
+    <a:masterClrMapping/>
+  </p:clrMapOvr>
+</p:sld>
+</file>
+
+<file path=ppt/slides/slide7.xml><?xml version="1.0" encoding="utf-8"?>
+<p:sld xmlns:a="http://schemas.openxmlformats.org/drawingml/2006/main" xmlns:r="http://schemas.openxmlformats.org/officeDocument/2006/relationships" xmlns:p="http://schemas.openxmlformats.org/presentationml/2006/main">
+  <p:cSld>
+    <p:spTree>
+      <p:nvGrpSpPr>
+        <p:cNvPr id="1" name=""/>
+        <p:cNvGrpSpPr/>
+        <p:nvPr/>
+      </p:nvGrpSpPr>
+      <p:grpSpPr>
+        <a:xfrm>
+          <a:off x="0" y="0"/>
+          <a:ext cx="0" cy="0"/>
+          <a:chOff x="0" y="0"/>
+          <a:chExt cx="0" cy="0"/>
+        </a:xfrm>
+      </p:grpSpPr>
+      <p:sp>
+        <p:nvSpPr>
+          <p:cNvPr id="2" name="Title 1">
+            <a:extLst>
+              <a:ext uri="{FF2B5EF4-FFF2-40B4-BE49-F238E27FC236}">
+                <a16:creationId xmlns:a16="http://schemas.microsoft.com/office/drawing/2014/main" id="{BA1CDD74-C7AC-5C01-D5DF-67566121C021}"/>
+              </a:ext>
+            </a:extLst>
+          </p:cNvPr>
+          <p:cNvSpPr>
+            <a:spLocks noGrp="1"/>
+          </p:cNvSpPr>
+          <p:nvPr>
+            <p:ph type="title"/>
+          </p:nvPr>
+        </p:nvSpPr>
+        <p:spPr>
+          <a:xfrm>
+            <a:off x="1011936" y="0"/>
+            <a:ext cx="10271760" cy="1179576"/>
+          </a:xfrm>
+        </p:spPr>
+        <p:txBody>
+          <a:bodyPr>
+            <a:normAutofit/>
+          </a:bodyPr>
+          <a:lstStyle/>
+          <a:p>
+            <a:pPr algn="ctr"/>
+            <a:r>
+              <a:rPr lang="en-IN" b="0" i="0" dirty="0">
+                <a:solidFill>
+                  <a:srgbClr val="091E42"/>
+                </a:solidFill>
+                <a:effectLst/>
+                <a:latin typeface="freight-text-pro"/>
+              </a:rPr>
+              <a:t>Model Building</a:t>
+            </a:r>
+            <a:endParaRPr lang="en-IN" dirty="0"/>
+          </a:p>
+        </p:txBody>
+      </p:sp>
+      <p:sp>
+        <p:nvSpPr>
+          <p:cNvPr id="3" name="Content Placeholder 2">
+            <a:extLst>
+              <a:ext uri="{FF2B5EF4-FFF2-40B4-BE49-F238E27FC236}">
+                <a16:creationId xmlns:a16="http://schemas.microsoft.com/office/drawing/2014/main" id="{4C48F8EB-DCAB-7D13-B8FF-9689FDF33988}"/>
+              </a:ext>
+            </a:extLst>
+          </p:cNvPr>
+          <p:cNvSpPr>
+            <a:spLocks noGrp="1"/>
+          </p:cNvSpPr>
+          <p:nvPr>
+            <p:ph idx="1"/>
+          </p:nvPr>
+        </p:nvSpPr>
+        <p:spPr>
+          <a:xfrm>
+            <a:off x="1115568" y="1432560"/>
+            <a:ext cx="10168128" cy="4739640"/>
+          </a:xfrm>
+        </p:spPr>
+        <p:txBody>
+          <a:bodyPr/>
+          <a:lstStyle/>
+          <a:p>
+            <a:r>
+              <a:rPr lang="en-IN" b="0" i="0" dirty="0">
+                <a:solidFill>
+                  <a:srgbClr val="091E42"/>
+                </a:solidFill>
+                <a:effectLst/>
+                <a:latin typeface="freight-text-pro"/>
+              </a:rPr>
+              <a:t>Results interpreting the clusters formed as part of DBSCAN Clustering and how the cluster information is being used</a:t>
+            </a:r>
+          </a:p>
+          <a:p>
+            <a:endParaRPr lang="en-IN" dirty="0"/>
+          </a:p>
+        </p:txBody>
+      </p:sp>
+    </p:spTree>
+    <p:extLst>
+      <p:ext uri="{BB962C8B-B14F-4D97-AF65-F5344CB8AC3E}">
+        <p14:creationId xmlns:p14="http://schemas.microsoft.com/office/powerpoint/2010/main" val="543438836"/>
+      </p:ext>
+    </p:extLst>
+  </p:cSld>
+  <p:clrMapOvr>
+    <a:masterClrMapping/>
+  </p:clrMapOvr>
+</p:sld>
+</file>
+
+<file path=ppt/slides/slide8.xml><?xml version="1.0" encoding="utf-8"?>
+<p:sld xmlns:a="http://schemas.openxmlformats.org/drawingml/2006/main" xmlns:r="http://schemas.openxmlformats.org/officeDocument/2006/relationships" xmlns:p="http://schemas.openxmlformats.org/presentationml/2006/main">
+  <p:cSld>
+    <p:spTree>
+      <p:nvGrpSpPr>
+        <p:cNvPr id="1" name=""/>
+        <p:cNvGrpSpPr/>
+        <p:nvPr/>
+      </p:nvGrpSpPr>
+      <p:grpSpPr>
+        <a:xfrm>
+          <a:off x="0" y="0"/>
+          <a:ext cx="0" cy="0"/>
+          <a:chOff x="0" y="0"/>
+          <a:chExt cx="0" cy="0"/>
+        </a:xfrm>
+      </p:grpSpPr>
+      <p:sp>
+        <p:nvSpPr>
+          <p:cNvPr id="2" name="Title 1">
+            <a:extLst>
+              <a:ext uri="{FF2B5EF4-FFF2-40B4-BE49-F238E27FC236}">
+                <a16:creationId xmlns:a16="http://schemas.microsoft.com/office/drawing/2014/main" id="{BA1CDD74-C7AC-5C01-D5DF-67566121C021}"/>
+              </a:ext>
+            </a:extLst>
+          </p:cNvPr>
+          <p:cNvSpPr>
+            <a:spLocks noGrp="1"/>
+          </p:cNvSpPr>
+          <p:nvPr>
+            <p:ph type="title"/>
+          </p:nvPr>
+        </p:nvSpPr>
+        <p:spPr>
+          <a:xfrm>
+            <a:off x="1011936" y="0"/>
+            <a:ext cx="10271760" cy="1179576"/>
+          </a:xfrm>
+        </p:spPr>
+        <p:txBody>
+          <a:bodyPr>
+            <a:normAutofit/>
+          </a:bodyPr>
+          <a:lstStyle/>
+          <a:p>
+            <a:pPr algn="ctr"/>
+            <a:r>
+              <a:rPr lang="en-IN" b="0" i="0" dirty="0">
+                <a:solidFill>
+                  <a:srgbClr val="091E42"/>
+                </a:solidFill>
+                <a:effectLst/>
+                <a:latin typeface="freight-text-pro"/>
+              </a:rPr>
+              <a:t>Model Building</a:t>
+            </a:r>
+            <a:endParaRPr lang="en-IN" dirty="0"/>
+          </a:p>
+        </p:txBody>
+      </p:sp>
+      <p:sp>
+        <p:nvSpPr>
+          <p:cNvPr id="3" name="Content Placeholder 2">
+            <a:extLst>
+              <a:ext uri="{FF2B5EF4-FFF2-40B4-BE49-F238E27FC236}">
+                <a16:creationId xmlns:a16="http://schemas.microsoft.com/office/drawing/2014/main" id="{4C48F8EB-DCAB-7D13-B8FF-9689FDF33988}"/>
+              </a:ext>
+            </a:extLst>
+          </p:cNvPr>
+          <p:cNvSpPr>
+            <a:spLocks noGrp="1"/>
+          </p:cNvSpPr>
+          <p:nvPr>
+            <p:ph idx="1"/>
+          </p:nvPr>
+        </p:nvSpPr>
+        <p:spPr>
+          <a:xfrm>
+            <a:off x="1115568" y="1432560"/>
+            <a:ext cx="10168128" cy="4739640"/>
+          </a:xfrm>
+        </p:spPr>
+        <p:txBody>
+          <a:bodyPr/>
+          <a:lstStyle/>
+          <a:p>
+            <a:r>
+              <a:rPr lang="en-IN" b="0" i="0" dirty="0">
+                <a:solidFill>
+                  <a:srgbClr val="091E42"/>
+                </a:solidFill>
+                <a:effectLst/>
+                <a:latin typeface="freight-text-pro"/>
+              </a:rPr>
+              <a:t>A brief summary of any additional subtask that was performed and may have improved the data cleaning and feature generation step</a:t>
+            </a:r>
+          </a:p>
+          <a:p>
+            <a:endParaRPr lang="en-IN" dirty="0"/>
+          </a:p>
+        </p:txBody>
+      </p:sp>
+    </p:spTree>
+    <p:extLst>
+      <p:ext uri="{BB962C8B-B14F-4D97-AF65-F5344CB8AC3E}">
+        <p14:creationId xmlns:p14="http://schemas.microsoft.com/office/powerpoint/2010/main" val="2126530852"/>
+      </p:ext>
+    </p:extLst>
+  </p:cSld>
+  <p:clrMapOvr>
+    <a:masterClrMapping/>
+  </p:clrMapOvr>
+</p:sld>
+</file>
+
+<file path=ppt/slides/slide9.xml><?xml version="1.0" encoding="utf-8"?>
+<p:sld xmlns:a="http://schemas.openxmlformats.org/drawingml/2006/main" xmlns:r="http://schemas.openxmlformats.org/officeDocument/2006/relationships" xmlns:p="http://schemas.openxmlformats.org/presentationml/2006/main">
+  <p:cSld>
+    <p:spTree>
+      <p:nvGrpSpPr>
+        <p:cNvPr id="1" name=""/>
+        <p:cNvGrpSpPr/>
+        <p:nvPr/>
+      </p:nvGrpSpPr>
+      <p:grpSpPr>
+        <a:xfrm>
+          <a:off x="0" y="0"/>
+          <a:ext cx="0" cy="0"/>
+          <a:chOff x="0" y="0"/>
+          <a:chExt cx="0" cy="0"/>
+        </a:xfrm>
+      </p:grpSpPr>
+      <p:sp>
+        <p:nvSpPr>
+          <p:cNvPr id="2" name="Title 1">
+            <a:extLst>
+              <a:ext uri="{FF2B5EF4-FFF2-40B4-BE49-F238E27FC236}">
+                <a16:creationId xmlns:a16="http://schemas.microsoft.com/office/drawing/2014/main" id="{BA1CDD74-C7AC-5C01-D5DF-67566121C021}"/>
+              </a:ext>
+            </a:extLst>
+          </p:cNvPr>
+          <p:cNvSpPr>
+            <a:spLocks noGrp="1"/>
+          </p:cNvSpPr>
+          <p:nvPr>
+            <p:ph type="title"/>
+          </p:nvPr>
+        </p:nvSpPr>
+        <p:spPr>
+          <a:xfrm>
+            <a:off x="1011936" y="0"/>
+            <a:ext cx="10271760" cy="1179576"/>
+          </a:xfrm>
+        </p:spPr>
+        <p:txBody>
+          <a:bodyPr>
+            <a:normAutofit/>
+          </a:bodyPr>
+          <a:lstStyle/>
+          <a:p>
+            <a:pPr algn="ctr"/>
+            <a:r>
+              <a:rPr lang="en-IN" b="0" i="0" dirty="0">
+                <a:solidFill>
+                  <a:srgbClr val="091E42"/>
+                </a:solidFill>
+                <a:effectLst/>
+                <a:latin typeface="freight-text-pro"/>
+              </a:rPr>
+              <a:t>Model Building</a:t>
+            </a:r>
+            <a:endParaRPr lang="en-IN" dirty="0"/>
+          </a:p>
+        </p:txBody>
+      </p:sp>
+      <p:sp>
+        <p:nvSpPr>
+          <p:cNvPr id="3" name="Content Placeholder 2">
+            <a:extLst>
+              <a:ext uri="{FF2B5EF4-FFF2-40B4-BE49-F238E27FC236}">
+                <a16:creationId xmlns:a16="http://schemas.microsoft.com/office/drawing/2014/main" id="{4C48F8EB-DCAB-7D13-B8FF-9689FDF33988}"/>
+              </a:ext>
+            </a:extLst>
+          </p:cNvPr>
+          <p:cNvSpPr>
+            <a:spLocks noGrp="1"/>
+          </p:cNvSpPr>
+          <p:nvPr>
+            <p:ph idx="1"/>
+          </p:nvPr>
+        </p:nvSpPr>
+        <p:spPr>
+          <a:xfrm>
+            <a:off x="1115568" y="1432560"/>
+            <a:ext cx="10168128" cy="4739640"/>
+          </a:xfrm>
+        </p:spPr>
+        <p:txBody>
+          <a:bodyPr/>
+          <a:lstStyle/>
+          <a:p>
+            <a:r>
+              <a:rPr lang="en-IN" b="0" i="0" dirty="0">
+                <a:solidFill>
+                  <a:srgbClr val="091E42"/>
+                </a:solidFill>
+                <a:effectLst/>
+                <a:latin typeface="freight-text-pro"/>
+              </a:rPr>
+              <a:t>All the data preparation steps that were used before applying the ML algorithm</a:t>
+            </a:r>
+          </a:p>
+          <a:p>
+            <a:endParaRPr lang="en-IN" dirty="0"/>
+          </a:p>
+        </p:txBody>
+      </p:sp>
+    </p:spTree>
+    <p:extLst>
+      <p:ext uri="{BB962C8B-B14F-4D97-AF65-F5344CB8AC3E}">
+        <p14:creationId xmlns:p14="http://schemas.microsoft.com/office/powerpoint/2010/main" val="2067843819"/>
+      </p:ext>
+    </p:extLst>
+  </p:cSld>
+  <p:clrMapOvr>
+    <a:masterClrMapping/>
+  </p:clrMapOvr>
+</p:sld>
+</file>
+
 <file path=ppt/theme/theme1.xml><?xml version="1.0" encoding="utf-8"?>
 <a:theme xmlns:a="http://schemas.openxmlformats.org/drawingml/2006/main" name="AccentBoxVTI">
   <a:themeElements>
